--- a/Для справки.pptx
+++ b/Для справки.pptx
@@ -5,10 +5,12 @@
     <p:sldMasterId id="2147483648" r:id="rId1"/>
   </p:sldMasterIdLst>
   <p:notesMasterIdLst>
-    <p:notesMasterId r:id="rId3"/>
+    <p:notesMasterId r:id="rId5"/>
   </p:notesMasterIdLst>
   <p:sldIdLst>
     <p:sldId id="569" r:id="rId2"/>
+    <p:sldId id="571" r:id="rId3"/>
+    <p:sldId id="570" r:id="rId4"/>
   </p:sldIdLst>
   <p:sldSz cx="12192000" cy="6858000"/>
   <p:notesSz cx="6858000" cy="9144000"/>
@@ -209,7 +211,7 @@
             <a:fld id="{600277EE-7EF3-43E5-993D-50EE5C22C1E2}" type="datetimeFigureOut">
               <a:rPr lang="ru-RU" smtClean="0"/>
               <a:pPr/>
-              <a:t>04.08.2020</a:t>
+              <a:t>25.08.2020</a:t>
             </a:fld>
             <a:endParaRPr lang="ru-RU"/>
           </a:p>
@@ -610,7 +612,7 @@
             <a:fld id="{334C72B4-CDCC-44F3-AAFE-2F7F2350937A}" type="datetime1">
               <a:rPr lang="ru-RU" smtClean="0"/>
               <a:pPr/>
-              <a:t>04.08.2020</a:t>
+              <a:t>25.08.2020</a:t>
             </a:fld>
             <a:endParaRPr lang="ru-RU"/>
           </a:p>
@@ -782,7 +784,7 @@
             <a:fld id="{8EF2845B-E764-4625-B6CC-B9EB4875721A}" type="datetime1">
               <a:rPr lang="ru-RU" smtClean="0"/>
               <a:pPr/>
-              <a:t>04.08.2020</a:t>
+              <a:t>25.08.2020</a:t>
             </a:fld>
             <a:endParaRPr lang="ru-RU"/>
           </a:p>
@@ -964,7 +966,7 @@
             <a:fld id="{D7E4DA93-0BFA-4E32-BD49-C17309476430}" type="datetime1">
               <a:rPr lang="ru-RU" smtClean="0"/>
               <a:pPr/>
-              <a:t>04.08.2020</a:t>
+              <a:t>25.08.2020</a:t>
             </a:fld>
             <a:endParaRPr lang="ru-RU"/>
           </a:p>
@@ -1136,7 +1138,7 @@
             <a:fld id="{C95B32F0-CC91-4D7E-AB00-D8473C19A767}" type="datetime1">
               <a:rPr lang="ru-RU" smtClean="0"/>
               <a:pPr/>
-              <a:t>04.08.2020</a:t>
+              <a:t>25.08.2020</a:t>
             </a:fld>
             <a:endParaRPr lang="ru-RU"/>
           </a:p>
@@ -1405,7 +1407,7 @@
             <a:fld id="{13F093FA-F2BB-461C-A6DE-8EC5718B5D35}" type="datetime1">
               <a:rPr lang="ru-RU" smtClean="0"/>
               <a:pPr/>
-              <a:t>04.08.2020</a:t>
+              <a:t>25.08.2020</a:t>
             </a:fld>
             <a:endParaRPr lang="ru-RU"/>
           </a:p>
@@ -1639,7 +1641,7 @@
             <a:fld id="{F8999276-BFAF-440E-821E-9F37EE04C82F}" type="datetime1">
               <a:rPr lang="ru-RU" smtClean="0"/>
               <a:pPr/>
-              <a:t>04.08.2020</a:t>
+              <a:t>25.08.2020</a:t>
             </a:fld>
             <a:endParaRPr lang="ru-RU"/>
           </a:p>
@@ -2008,7 +2010,7 @@
             <a:fld id="{36D43D0F-7A9B-4E7A-9FEE-E94E8A7B5A8F}" type="datetime1">
               <a:rPr lang="ru-RU" smtClean="0"/>
               <a:pPr/>
-              <a:t>04.08.2020</a:t>
+              <a:t>25.08.2020</a:t>
             </a:fld>
             <a:endParaRPr lang="ru-RU"/>
           </a:p>
@@ -2128,7 +2130,7 @@
             <a:fld id="{1EF32676-DCAC-434A-86B2-C48EA9C1431F}" type="datetime1">
               <a:rPr lang="ru-RU" smtClean="0"/>
               <a:pPr/>
-              <a:t>04.08.2020</a:t>
+              <a:t>25.08.2020</a:t>
             </a:fld>
             <a:endParaRPr lang="ru-RU"/>
           </a:p>
@@ -2225,7 +2227,7 @@
             <a:fld id="{4DCB934F-99DE-4E60-BD86-AFAA64BCEC39}" type="datetime1">
               <a:rPr lang="ru-RU" smtClean="0"/>
               <a:pPr/>
-              <a:t>04.08.2020</a:t>
+              <a:t>25.08.2020</a:t>
             </a:fld>
             <a:endParaRPr lang="ru-RU"/>
           </a:p>
@@ -2504,7 +2506,7 @@
             <a:fld id="{3A0DC734-6834-4F31-973F-7C556C685F56}" type="datetime1">
               <a:rPr lang="ru-RU" smtClean="0"/>
               <a:pPr/>
-              <a:t>04.08.2020</a:t>
+              <a:t>25.08.2020</a:t>
             </a:fld>
             <a:endParaRPr lang="ru-RU"/>
           </a:p>
@@ -2763,7 +2765,7 @@
             <a:fld id="{766C9EE5-1A88-470D-AF52-A3131A6A061D}" type="datetime1">
               <a:rPr lang="ru-RU" smtClean="0"/>
               <a:pPr/>
-              <a:t>04.08.2020</a:t>
+              <a:t>25.08.2020</a:t>
             </a:fld>
             <a:endParaRPr lang="ru-RU"/>
           </a:p>
@@ -2978,7 +2980,7 @@
             <a:fld id="{46C1A26C-1A9B-47A5-85B6-266DC160C96B}" type="datetime1">
               <a:rPr lang="ru-RU" smtClean="0"/>
               <a:pPr/>
-              <a:t>04.08.2020</a:t>
+              <a:t>25.08.2020</a:t>
             </a:fld>
             <a:endParaRPr lang="ru-RU"/>
           </a:p>
@@ -3387,21 +3389,21 @@
       </p:grpSpPr>
       <p:grpSp>
         <p:nvGrpSpPr>
-          <p:cNvPr id="8" name="Группа 7"/>
+          <p:cNvPr id="6" name="Группа 5"/>
           <p:cNvGrpSpPr/>
           <p:nvPr/>
         </p:nvGrpSpPr>
         <p:grpSpPr>
           <a:xfrm>
-            <a:off x="3335384" y="113544"/>
-            <a:ext cx="5535619" cy="6651963"/>
-            <a:chOff x="3335384" y="113544"/>
-            <a:chExt cx="5535619" cy="6651963"/>
+            <a:off x="3335382" y="113544"/>
+            <a:ext cx="5535621" cy="6646478"/>
+            <a:chOff x="3335382" y="113544"/>
+            <a:chExt cx="5535621" cy="6646478"/>
           </a:xfrm>
         </p:grpSpPr>
         <p:pic>
           <p:nvPicPr>
-            <p:cNvPr id="2" name="Рисунок 1"/>
+            <p:cNvPr id="54" name="Рисунок 53"/>
             <p:cNvPicPr>
               <a:picLocks noChangeAspect="1"/>
             </p:cNvPicPr>
@@ -3415,8 +3417,8 @@
           </p:blipFill>
           <p:spPr>
             <a:xfrm>
-              <a:off x="3335384" y="113544"/>
-              <a:ext cx="5503816" cy="6651963"/>
+              <a:off x="3335382" y="113544"/>
+              <a:ext cx="5503817" cy="6646478"/>
             </a:xfrm>
             <a:prstGeom prst="rect">
               <a:avLst/>
@@ -3578,7 +3580,7 @@
             <p:nvPr/>
           </p:nvSpPr>
           <p:spPr>
-            <a:xfrm rot="-3900000" flipV="1">
+            <a:xfrm rot="17700000" flipV="1">
               <a:off x="7492959" y="708887"/>
               <a:ext cx="164036" cy="565849"/>
             </a:xfrm>
@@ -3726,7 +3728,7 @@
             <p:nvPr/>
           </p:nvSpPr>
           <p:spPr>
-            <a:xfrm rot="-3060000" flipV="1">
+            <a:xfrm rot="18540000" flipV="1">
               <a:off x="8031496" y="658643"/>
               <a:ext cx="164036" cy="504000"/>
             </a:xfrm>
@@ -3875,7 +3877,7 @@
           </p:nvSpPr>
           <p:spPr>
             <a:xfrm rot="5400000" flipV="1">
-              <a:off x="4672865" y="2514191"/>
+              <a:off x="4298802" y="2552856"/>
               <a:ext cx="164036" cy="565849"/>
             </a:xfrm>
             <a:prstGeom prst="upArrow">
@@ -3949,7 +3951,7 @@
           </p:nvSpPr>
           <p:spPr>
             <a:xfrm rot="5400000" flipV="1">
-              <a:off x="6188056" y="2514191"/>
+              <a:off x="5331221" y="2565110"/>
               <a:ext cx="164036" cy="565849"/>
             </a:xfrm>
             <a:prstGeom prst="upArrow">
@@ -4023,7 +4025,7 @@
           </p:nvSpPr>
           <p:spPr>
             <a:xfrm rot="5400000" flipV="1">
-              <a:off x="7724730" y="2514191"/>
+              <a:off x="7767479" y="2585219"/>
               <a:ext cx="164036" cy="565849"/>
             </a:xfrm>
             <a:prstGeom prst="upArrow">
@@ -4097,7 +4099,7 @@
           </p:nvSpPr>
           <p:spPr>
             <a:xfrm rot="10800000" flipV="1">
-              <a:off x="8278953" y="3258320"/>
+              <a:off x="8251587" y="3258320"/>
               <a:ext cx="164036" cy="565849"/>
             </a:xfrm>
             <a:prstGeom prst="upArrow">
@@ -4700,7 +4702,7 @@
           </p:nvSpPr>
           <p:spPr>
             <a:xfrm>
-              <a:off x="4976532" y="2355914"/>
+              <a:off x="4602469" y="2394579"/>
               <a:ext cx="469238" cy="523220"/>
             </a:xfrm>
             <a:prstGeom prst="rect">
@@ -4749,7 +4751,7 @@
           </p:nvSpPr>
           <p:spPr>
             <a:xfrm>
-              <a:off x="6371028" y="2312560"/>
+              <a:off x="5514193" y="2363479"/>
               <a:ext cx="556734" cy="523220"/>
             </a:xfrm>
             <a:prstGeom prst="rect">
@@ -4812,7 +4814,7 @@
           </p:nvSpPr>
           <p:spPr>
             <a:xfrm>
-              <a:off x="7907702" y="2317019"/>
+              <a:off x="7950451" y="2388047"/>
               <a:ext cx="556734" cy="523220"/>
             </a:xfrm>
             <a:prstGeom prst="rect">
@@ -4837,21 +4839,7 @@
                   </a:solidFill>
                   <a:latin typeface="Book Antiqua" panose="02040602050305030304" pitchFamily="18" charset="0"/>
                 </a:rPr>
-                <a:t>1</a:t>
-              </a:r>
-              <a:r>
-                <a:rPr lang="en-US" sz="2800" dirty="0" smtClean="0">
-                  <a:ln w="9525">
-                    <a:solidFill>
-                      <a:schemeClr val="tx1"/>
-                    </a:solidFill>
-                  </a:ln>
-                  <a:solidFill>
-                    <a:srgbClr val="EA0000"/>
-                  </a:solidFill>
-                  <a:latin typeface="Book Antiqua" panose="02040602050305030304" pitchFamily="18" charset="0"/>
-                </a:rPr>
-                <a:t>1</a:t>
+                <a:t>12</a:t>
               </a:r>
               <a:endParaRPr lang="ru-RU" sz="2800" dirty="0">
                 <a:ln w="9525">
@@ -4900,21 +4888,7 @@
                   </a:solidFill>
                   <a:latin typeface="Book Antiqua" panose="02040602050305030304" pitchFamily="18" charset="0"/>
                 </a:rPr>
-                <a:t>1</a:t>
-              </a:r>
-              <a:r>
-                <a:rPr lang="en-US" sz="2800" dirty="0" smtClean="0">
-                  <a:ln w="9525">
-                    <a:solidFill>
-                      <a:schemeClr val="tx1"/>
-                    </a:solidFill>
-                  </a:ln>
-                  <a:solidFill>
-                    <a:srgbClr val="EA0000"/>
-                  </a:solidFill>
-                  <a:latin typeface="Book Antiqua" panose="02040602050305030304" pitchFamily="18" charset="0"/>
-                </a:rPr>
-                <a:t>2</a:t>
+                <a:t>13</a:t>
               </a:r>
               <a:endParaRPr lang="ru-RU" sz="2800" dirty="0">
                 <a:ln w="9525">
@@ -4938,8 +4912,8 @@
           </p:nvSpPr>
           <p:spPr>
             <a:xfrm>
-              <a:off x="8073064" y="3819920"/>
-              <a:ext cx="556734" cy="523220"/>
+              <a:off x="8045698" y="3819920"/>
+              <a:ext cx="563320" cy="523220"/>
             </a:xfrm>
             <a:prstGeom prst="rect">
               <a:avLst/>
@@ -4963,21 +4937,7 @@
                   </a:solidFill>
                   <a:latin typeface="Book Antiqua" panose="02040602050305030304" pitchFamily="18" charset="0"/>
                 </a:rPr>
-                <a:t>1</a:t>
-              </a:r>
-              <a:r>
-                <a:rPr lang="en-US" sz="2800" dirty="0" smtClean="0">
-                  <a:ln w="9525">
-                    <a:solidFill>
-                      <a:schemeClr val="tx1"/>
-                    </a:solidFill>
-                  </a:ln>
-                  <a:solidFill>
-                    <a:srgbClr val="EA0000"/>
-                  </a:solidFill>
-                  <a:latin typeface="Book Antiqua" panose="02040602050305030304" pitchFamily="18" charset="0"/>
-                </a:rPr>
-                <a:t>4</a:t>
+                <a:t>15</a:t>
               </a:r>
               <a:endParaRPr lang="ru-RU" sz="2800" dirty="0">
                 <a:ln w="9525">
@@ -5026,21 +4986,7 @@
                   </a:solidFill>
                   <a:latin typeface="Book Antiqua" panose="02040602050305030304" pitchFamily="18" charset="0"/>
                 </a:rPr>
-                <a:t>1</a:t>
-              </a:r>
-              <a:r>
-                <a:rPr lang="en-US" sz="2800" dirty="0" smtClean="0">
-                  <a:ln w="9525">
-                    <a:solidFill>
-                      <a:schemeClr val="tx1"/>
-                    </a:solidFill>
-                  </a:ln>
-                  <a:solidFill>
-                    <a:srgbClr val="EA0000"/>
-                  </a:solidFill>
-                  <a:latin typeface="Book Antiqua" panose="02040602050305030304" pitchFamily="18" charset="0"/>
-                </a:rPr>
-                <a:t>3</a:t>
+                <a:t>14</a:t>
               </a:r>
               <a:endParaRPr lang="ru-RU" sz="2800" dirty="0">
                 <a:ln w="9525">
@@ -5204,6 +5150,129 @@
             </a:p>
           </p:txBody>
         </p:sp>
+        <p:sp>
+          <p:nvSpPr>
+            <p:cNvPr id="55" name="Стрелка вверх 54"/>
+            <p:cNvSpPr/>
+            <p:nvPr/>
+          </p:nvSpPr>
+          <p:spPr>
+            <a:xfrm rot="5400000" flipV="1">
+              <a:off x="6527004" y="2593035"/>
+              <a:ext cx="164036" cy="565849"/>
+            </a:xfrm>
+            <a:prstGeom prst="upArrow">
+              <a:avLst>
+                <a:gd name="adj1" fmla="val 50000"/>
+                <a:gd name="adj2" fmla="val 150591"/>
+              </a:avLst>
+            </a:prstGeom>
+            <a:gradFill flip="none" rotWithShape="1">
+              <a:gsLst>
+                <a:gs pos="0">
+                  <a:srgbClr val="EA0000">
+                    <a:shade val="30000"/>
+                    <a:satMod val="115000"/>
+                  </a:srgbClr>
+                </a:gs>
+                <a:gs pos="50000">
+                  <a:srgbClr val="EA0000">
+                    <a:shade val="67500"/>
+                    <a:satMod val="115000"/>
+                  </a:srgbClr>
+                </a:gs>
+                <a:gs pos="100000">
+                  <a:srgbClr val="EA0000">
+                    <a:shade val="100000"/>
+                    <a:satMod val="115000"/>
+                  </a:srgbClr>
+                </a:gs>
+              </a:gsLst>
+              <a:lin ang="10800000" scaled="1"/>
+              <a:tileRect/>
+            </a:gradFill>
+            <a:ln w="28575">
+              <a:solidFill>
+                <a:schemeClr val="bg2">
+                  <a:lumMod val="10000"/>
+                </a:schemeClr>
+              </a:solidFill>
+            </a:ln>
+          </p:spPr>
+          <p:style>
+            <a:lnRef idx="2">
+              <a:schemeClr val="accent1">
+                <a:shade val="50000"/>
+              </a:schemeClr>
+            </a:lnRef>
+            <a:fillRef idx="1">
+              <a:schemeClr val="accent1"/>
+            </a:fillRef>
+            <a:effectRef idx="0">
+              <a:schemeClr val="accent1"/>
+            </a:effectRef>
+            <a:fontRef idx="minor">
+              <a:schemeClr val="lt1"/>
+            </a:fontRef>
+          </p:style>
+          <p:txBody>
+            <a:bodyPr rtlCol="0" anchor="ctr"/>
+            <a:lstStyle/>
+            <a:p>
+              <a:pPr algn="ctr"/>
+              <a:endParaRPr lang="ru-RU"/>
+            </a:p>
+          </p:txBody>
+        </p:sp>
+        <p:sp>
+          <p:nvSpPr>
+            <p:cNvPr id="56" name="Прямоугольник 55"/>
+            <p:cNvSpPr/>
+            <p:nvPr/>
+          </p:nvSpPr>
+          <p:spPr>
+            <a:xfrm>
+              <a:off x="6709976" y="2391404"/>
+              <a:ext cx="556734" cy="523220"/>
+            </a:xfrm>
+            <a:prstGeom prst="rect">
+              <a:avLst/>
+            </a:prstGeom>
+          </p:spPr>
+          <p:txBody>
+            <a:bodyPr wrap="square">
+              <a:spAutoFit/>
+            </a:bodyPr>
+            <a:lstStyle/>
+            <a:p>
+              <a:r>
+                <a:rPr lang="ru-RU" sz="2800" dirty="0" smtClean="0">
+                  <a:ln w="9525">
+                    <a:solidFill>
+                      <a:schemeClr val="tx1"/>
+                    </a:solidFill>
+                  </a:ln>
+                  <a:solidFill>
+                    <a:srgbClr val="EA0000"/>
+                  </a:solidFill>
+                  <a:latin typeface="Book Antiqua" panose="02040602050305030304" pitchFamily="18" charset="0"/>
+                </a:rPr>
+                <a:t>11</a:t>
+              </a:r>
+              <a:endParaRPr lang="ru-RU" sz="2800" dirty="0">
+                <a:ln w="9525">
+                  <a:solidFill>
+                    <a:schemeClr val="tx1"/>
+                  </a:solidFill>
+                </a:ln>
+                <a:solidFill>
+                  <a:srgbClr val="EA0000"/>
+                </a:solidFill>
+                <a:latin typeface="Book Antiqua" panose="02040602050305030304" pitchFamily="18" charset="0"/>
+              </a:endParaRPr>
+            </a:p>
+          </p:txBody>
+        </p:sp>
       </p:grpSp>
     </p:spTree>
     <p:extLst>
@@ -5225,6 +5294,637 @@
       </p:par>
     </p:tnLst>
   </p:timing>
+</p:sld>
+</file>
+
+<file path=ppt/slides/slide2.xml><?xml version="1.0" encoding="utf-8"?>
+<p:sld xmlns:a="http://schemas.openxmlformats.org/drawingml/2006/main" xmlns:r="http://schemas.openxmlformats.org/officeDocument/2006/relationships" xmlns:p="http://schemas.openxmlformats.org/presentationml/2006/main">
+  <p:cSld>
+    <p:spTree>
+      <p:nvGrpSpPr>
+        <p:cNvPr id="1" name=""/>
+        <p:cNvGrpSpPr/>
+        <p:nvPr/>
+      </p:nvGrpSpPr>
+      <p:grpSpPr>
+        <a:xfrm>
+          <a:off x="0" y="0"/>
+          <a:ext cx="0" cy="0"/>
+          <a:chOff x="0" y="0"/>
+          <a:chExt cx="0" cy="0"/>
+        </a:xfrm>
+      </p:grpSpPr>
+    </p:spTree>
+    <p:extLst>
+      <p:ext uri="{BB962C8B-B14F-4D97-AF65-F5344CB8AC3E}">
+        <p14:creationId xmlns:p14="http://schemas.microsoft.com/office/powerpoint/2010/main" val="1381809328"/>
+      </p:ext>
+    </p:extLst>
+  </p:cSld>
+  <p:clrMapOvr>
+    <a:masterClrMapping/>
+  </p:clrMapOvr>
+</p:sld>
+</file>
+
+<file path=ppt/slides/slide3.xml><?xml version="1.0" encoding="utf-8"?>
+<p:sld xmlns:a="http://schemas.openxmlformats.org/drawingml/2006/main" xmlns:r="http://schemas.openxmlformats.org/officeDocument/2006/relationships" xmlns:p="http://schemas.openxmlformats.org/presentationml/2006/main">
+  <p:cSld>
+    <p:spTree>
+      <p:nvGrpSpPr>
+        <p:cNvPr id="1" name=""/>
+        <p:cNvGrpSpPr/>
+        <p:nvPr/>
+      </p:nvGrpSpPr>
+      <p:grpSpPr>
+        <a:xfrm>
+          <a:off x="0" y="0"/>
+          <a:ext cx="0" cy="0"/>
+          <a:chOff x="0" y="0"/>
+          <a:chExt cx="0" cy="0"/>
+        </a:xfrm>
+      </p:grpSpPr>
+      <p:sp>
+        <p:nvSpPr>
+          <p:cNvPr id="5" name="Прямоугольник 4"/>
+          <p:cNvSpPr/>
+          <p:nvPr/>
+        </p:nvSpPr>
+        <p:spPr>
+          <a:xfrm>
+            <a:off x="5843451" y="757646"/>
+            <a:ext cx="2090058" cy="3396343"/>
+          </a:xfrm>
+          <a:prstGeom prst="rect">
+            <a:avLst/>
+          </a:prstGeom>
+          <a:noFill/>
+          <a:ln w="76200">
+            <a:solidFill>
+              <a:schemeClr val="tx1"/>
+            </a:solidFill>
+          </a:ln>
+        </p:spPr>
+        <p:style>
+          <a:lnRef idx="2">
+            <a:schemeClr val="accent1">
+              <a:shade val="50000"/>
+            </a:schemeClr>
+          </a:lnRef>
+          <a:fillRef idx="1">
+            <a:schemeClr val="accent1"/>
+          </a:fillRef>
+          <a:effectRef idx="0">
+            <a:schemeClr val="accent1"/>
+          </a:effectRef>
+          <a:fontRef idx="minor">
+            <a:schemeClr val="lt1"/>
+          </a:fontRef>
+        </p:style>
+        <p:txBody>
+          <a:bodyPr rtlCol="0" anchor="ctr"/>
+          <a:lstStyle/>
+          <a:p>
+            <a:pPr algn="ctr"/>
+            <a:endParaRPr lang="ru-RU"/>
+          </a:p>
+        </p:txBody>
+      </p:sp>
+      <p:grpSp>
+        <p:nvGrpSpPr>
+          <p:cNvPr id="4" name="Группа 3"/>
+          <p:cNvGrpSpPr/>
+          <p:nvPr/>
+        </p:nvGrpSpPr>
+        <p:grpSpPr>
+          <a:xfrm>
+            <a:off x="5843451" y="757647"/>
+            <a:ext cx="2090058" cy="3396342"/>
+            <a:chOff x="3535680" y="757647"/>
+            <a:chExt cx="4397829" cy="5547359"/>
+          </a:xfrm>
+        </p:grpSpPr>
+        <p:sp>
+          <p:nvSpPr>
+            <p:cNvPr id="16" name="Прямоугольник 15"/>
+            <p:cNvSpPr/>
+            <p:nvPr/>
+          </p:nvSpPr>
+          <p:spPr>
+            <a:xfrm>
+              <a:off x="3535680" y="1193076"/>
+              <a:ext cx="4397829" cy="505095"/>
+            </a:xfrm>
+            <a:prstGeom prst="rect">
+              <a:avLst/>
+            </a:prstGeom>
+            <a:solidFill>
+              <a:schemeClr val="bg1"/>
+            </a:solidFill>
+            <a:ln w="28575">
+              <a:solidFill>
+                <a:schemeClr val="tx1"/>
+              </a:solidFill>
+            </a:ln>
+          </p:spPr>
+          <p:style>
+            <a:lnRef idx="2">
+              <a:schemeClr val="accent1">
+                <a:shade val="50000"/>
+              </a:schemeClr>
+            </a:lnRef>
+            <a:fillRef idx="1">
+              <a:schemeClr val="accent1"/>
+            </a:fillRef>
+            <a:effectRef idx="0">
+              <a:schemeClr val="accent1"/>
+            </a:effectRef>
+            <a:fontRef idx="minor">
+              <a:schemeClr val="lt1"/>
+            </a:fontRef>
+          </p:style>
+          <p:txBody>
+            <a:bodyPr rtlCol="0" anchor="ctr"/>
+            <a:lstStyle/>
+            <a:p>
+              <a:pPr algn="ctr"/>
+              <a:r>
+                <a:rPr lang="ru-RU" sz="1600" dirty="0" smtClean="0">
+                  <a:solidFill>
+                    <a:schemeClr val="tx1"/>
+                  </a:solidFill>
+                </a:rPr>
+                <a:t>Понедельник</a:t>
+              </a:r>
+              <a:endParaRPr lang="ru-RU" sz="1600" dirty="0">
+                <a:solidFill>
+                  <a:schemeClr val="tx1"/>
+                </a:solidFill>
+              </a:endParaRPr>
+            </a:p>
+          </p:txBody>
+        </p:sp>
+        <p:grpSp>
+          <p:nvGrpSpPr>
+            <p:cNvPr id="3" name="Группа 2"/>
+            <p:cNvGrpSpPr/>
+            <p:nvPr/>
+          </p:nvGrpSpPr>
+          <p:grpSpPr>
+            <a:xfrm>
+              <a:off x="3535680" y="1698171"/>
+              <a:ext cx="4389195" cy="4606835"/>
+              <a:chOff x="3535680" y="1280161"/>
+              <a:chExt cx="4389195" cy="5024845"/>
+            </a:xfrm>
+          </p:grpSpPr>
+          <p:sp>
+            <p:nvSpPr>
+              <p:cNvPr id="17" name="Прямоугольник 16"/>
+              <p:cNvSpPr/>
+              <p:nvPr/>
+            </p:nvSpPr>
+            <p:spPr>
+              <a:xfrm>
+                <a:off x="3535680" y="1280161"/>
+                <a:ext cx="569875" cy="5024845"/>
+              </a:xfrm>
+              <a:prstGeom prst="rect">
+                <a:avLst/>
+              </a:prstGeom>
+              <a:solidFill>
+                <a:schemeClr val="bg1"/>
+              </a:solidFill>
+              <a:ln w="28575">
+                <a:solidFill>
+                  <a:schemeClr val="tx1"/>
+                </a:solidFill>
+              </a:ln>
+            </p:spPr>
+            <p:style>
+              <a:lnRef idx="2">
+                <a:schemeClr val="accent1">
+                  <a:shade val="50000"/>
+                </a:schemeClr>
+              </a:lnRef>
+              <a:fillRef idx="1">
+                <a:schemeClr val="accent1"/>
+              </a:fillRef>
+              <a:effectRef idx="0">
+                <a:schemeClr val="accent1"/>
+              </a:effectRef>
+              <a:fontRef idx="minor">
+                <a:schemeClr val="lt1"/>
+              </a:fontRef>
+            </p:style>
+            <p:txBody>
+              <a:bodyPr rtlCol="0" anchor="t"/>
+              <a:lstStyle/>
+              <a:p>
+                <a:pPr algn="ctr"/>
+                <a:r>
+                  <a:rPr lang="ru-RU" sz="1000" dirty="0" smtClean="0">
+                    <a:solidFill>
+                      <a:schemeClr val="tx1"/>
+                    </a:solidFill>
+                  </a:rPr>
+                  <a:t>1</a:t>
+                </a:r>
+              </a:p>
+              <a:p>
+                <a:pPr algn="ctr"/>
+                <a:r>
+                  <a:rPr lang="ru-RU" sz="1000" dirty="0" smtClean="0">
+                    <a:solidFill>
+                      <a:schemeClr val="tx1"/>
+                    </a:solidFill>
+                  </a:rPr>
+                  <a:t>2</a:t>
+                </a:r>
+              </a:p>
+              <a:p>
+                <a:pPr algn="ctr"/>
+                <a:r>
+                  <a:rPr lang="ru-RU" sz="1000" dirty="0" smtClean="0">
+                    <a:solidFill>
+                      <a:schemeClr val="tx1"/>
+                    </a:solidFill>
+                  </a:rPr>
+                  <a:t>3</a:t>
+                </a:r>
+              </a:p>
+              <a:p>
+                <a:pPr algn="ctr"/>
+                <a:r>
+                  <a:rPr lang="ru-RU" sz="1000" dirty="0" smtClean="0">
+                    <a:solidFill>
+                      <a:schemeClr val="tx1"/>
+                    </a:solidFill>
+                  </a:rPr>
+                  <a:t>4</a:t>
+                </a:r>
+              </a:p>
+              <a:p>
+                <a:pPr algn="ctr"/>
+                <a:r>
+                  <a:rPr lang="ru-RU" sz="1000" dirty="0" smtClean="0">
+                    <a:solidFill>
+                      <a:schemeClr val="tx1"/>
+                    </a:solidFill>
+                  </a:rPr>
+                  <a:t>5</a:t>
+                </a:r>
+              </a:p>
+              <a:p>
+                <a:pPr algn="ctr"/>
+                <a:r>
+                  <a:rPr lang="ru-RU" sz="1000" dirty="0">
+                    <a:solidFill>
+                      <a:schemeClr val="tx1"/>
+                    </a:solidFill>
+                  </a:rPr>
+                  <a:t>6</a:t>
+                </a:r>
+              </a:p>
+            </p:txBody>
+          </p:sp>
+          <p:sp>
+            <p:nvSpPr>
+              <p:cNvPr id="18" name="Прямоугольник 17"/>
+              <p:cNvSpPr/>
+              <p:nvPr/>
+            </p:nvSpPr>
+            <p:spPr>
+              <a:xfrm>
+                <a:off x="4105554" y="1280161"/>
+                <a:ext cx="2452196" cy="5024845"/>
+              </a:xfrm>
+              <a:prstGeom prst="rect">
+                <a:avLst/>
+              </a:prstGeom>
+              <a:solidFill>
+                <a:schemeClr val="bg1"/>
+              </a:solidFill>
+              <a:ln w="28575">
+                <a:solidFill>
+                  <a:schemeClr val="tx1"/>
+                </a:solidFill>
+              </a:ln>
+            </p:spPr>
+            <p:style>
+              <a:lnRef idx="2">
+                <a:schemeClr val="accent1">
+                  <a:shade val="50000"/>
+                </a:schemeClr>
+              </a:lnRef>
+              <a:fillRef idx="1">
+                <a:schemeClr val="accent1"/>
+              </a:fillRef>
+              <a:effectRef idx="0">
+                <a:schemeClr val="accent1"/>
+              </a:effectRef>
+              <a:fontRef idx="minor">
+                <a:schemeClr val="lt1"/>
+              </a:fontRef>
+            </p:style>
+            <p:txBody>
+              <a:bodyPr rtlCol="0" anchor="t"/>
+              <a:lstStyle/>
+              <a:p>
+                <a:pPr algn="ctr"/>
+                <a:r>
+                  <a:rPr lang="ru-RU" sz="1050" dirty="0" err="1" smtClean="0">
+                    <a:solidFill>
+                      <a:schemeClr val="tx1"/>
+                    </a:solidFill>
+                  </a:rPr>
+                  <a:t>ЭДпоФКиС</a:t>
+                </a:r>
+                <a:endParaRPr lang="ru-RU" sz="1050" dirty="0" smtClean="0">
+                  <a:solidFill>
+                    <a:schemeClr val="tx1"/>
+                  </a:solidFill>
+                </a:endParaRPr>
+              </a:p>
+              <a:p>
+                <a:pPr algn="ctr"/>
+                <a:r>
+                  <a:rPr lang="ru-RU" sz="1050" dirty="0" smtClean="0">
+                    <a:solidFill>
+                      <a:schemeClr val="tx1"/>
+                    </a:solidFill>
+                  </a:rPr>
+                  <a:t>ВМ</a:t>
+                </a:r>
+              </a:p>
+              <a:p>
+                <a:pPr algn="ctr"/>
+                <a:r>
+                  <a:rPr lang="ru-RU" sz="1050" dirty="0" smtClean="0">
+                    <a:solidFill>
+                      <a:schemeClr val="tx1"/>
+                    </a:solidFill>
+                  </a:rPr>
+                  <a:t>Физика</a:t>
+                </a:r>
+              </a:p>
+              <a:p>
+                <a:pPr algn="ctr"/>
+                <a:r>
+                  <a:rPr lang="ru-RU" sz="1050" dirty="0" smtClean="0">
+                    <a:solidFill>
+                      <a:schemeClr val="tx1"/>
+                    </a:solidFill>
+                  </a:rPr>
+                  <a:t>Оптические сети</a:t>
+                </a:r>
+              </a:p>
+              <a:p>
+                <a:pPr algn="ctr"/>
+                <a:r>
+                  <a:rPr lang="ru-RU" sz="1050" dirty="0" smtClean="0">
+                    <a:solidFill>
+                      <a:schemeClr val="tx1"/>
+                    </a:solidFill>
+                  </a:rPr>
+                  <a:t>Информатика</a:t>
+                </a:r>
+              </a:p>
+              <a:p>
+                <a:pPr algn="ctr"/>
+                <a:r>
+                  <a:rPr lang="ru-RU" sz="1050" dirty="0" smtClean="0">
+                    <a:solidFill>
+                      <a:schemeClr val="tx1"/>
+                    </a:solidFill>
+                  </a:rPr>
+                  <a:t>Час куратора</a:t>
+                </a:r>
+                <a:endParaRPr lang="ru-RU" sz="1050" dirty="0">
+                  <a:solidFill>
+                    <a:schemeClr val="tx1"/>
+                  </a:solidFill>
+                </a:endParaRPr>
+              </a:p>
+            </p:txBody>
+          </p:sp>
+          <p:sp>
+            <p:nvSpPr>
+              <p:cNvPr id="19" name="Прямоугольник 18"/>
+              <p:cNvSpPr/>
+              <p:nvPr/>
+            </p:nvSpPr>
+            <p:spPr>
+              <a:xfrm>
+                <a:off x="6557750" y="1280161"/>
+                <a:ext cx="1367125" cy="5024845"/>
+              </a:xfrm>
+              <a:prstGeom prst="rect">
+                <a:avLst/>
+              </a:prstGeom>
+              <a:solidFill>
+                <a:schemeClr val="bg1"/>
+              </a:solidFill>
+              <a:ln w="28575">
+                <a:solidFill>
+                  <a:schemeClr val="tx1"/>
+                </a:solidFill>
+              </a:ln>
+            </p:spPr>
+            <p:style>
+              <a:lnRef idx="2">
+                <a:schemeClr val="accent1">
+                  <a:shade val="50000"/>
+                </a:schemeClr>
+              </a:lnRef>
+              <a:fillRef idx="1">
+                <a:schemeClr val="accent1"/>
+              </a:fillRef>
+              <a:effectRef idx="0">
+                <a:schemeClr val="accent1"/>
+              </a:effectRef>
+              <a:fontRef idx="minor">
+                <a:schemeClr val="lt1"/>
+              </a:fontRef>
+            </p:style>
+            <p:txBody>
+              <a:bodyPr rtlCol="0" anchor="t"/>
+              <a:lstStyle/>
+              <a:p>
+                <a:pPr algn="ctr"/>
+                <a:r>
+                  <a:rPr lang="ru-RU" sz="1000" dirty="0" err="1" smtClean="0">
+                    <a:solidFill>
+                      <a:schemeClr val="tx1"/>
+                    </a:solidFill>
+                  </a:rPr>
+                  <a:t>ФЗК_зал</a:t>
+                </a:r>
+                <a:endParaRPr lang="ru-RU" sz="1000" dirty="0" smtClean="0">
+                  <a:solidFill>
+                    <a:schemeClr val="tx1"/>
+                  </a:solidFill>
+                </a:endParaRPr>
+              </a:p>
+              <a:p>
+                <a:pPr algn="ctr"/>
+                <a:r>
+                  <a:rPr lang="ru-RU" sz="1000" dirty="0" smtClean="0">
+                    <a:solidFill>
+                      <a:schemeClr val="tx1"/>
+                    </a:solidFill>
+                  </a:rPr>
+                  <a:t>405 УК1</a:t>
+                </a:r>
+              </a:p>
+              <a:p>
+                <a:pPr algn="ctr"/>
+                <a:r>
+                  <a:rPr lang="ru-RU" sz="1000" dirty="0" smtClean="0">
+                    <a:solidFill>
+                      <a:schemeClr val="tx1"/>
+                    </a:solidFill>
+                  </a:rPr>
+                  <a:t>303 УК5</a:t>
+                </a:r>
+              </a:p>
+              <a:p>
+                <a:pPr algn="ctr"/>
+                <a:r>
+                  <a:rPr lang="en-US" sz="1000" dirty="0" smtClean="0">
+                    <a:solidFill>
+                      <a:schemeClr val="tx1"/>
+                    </a:solidFill>
+                  </a:rPr>
+                  <a:t>VIII</a:t>
+                </a:r>
+              </a:p>
+              <a:p>
+                <a:pPr algn="ctr"/>
+                <a:r>
+                  <a:rPr lang="en-US" sz="1000" dirty="0" smtClean="0">
+                    <a:solidFill>
+                      <a:schemeClr val="tx1"/>
+                    </a:solidFill>
+                  </a:rPr>
+                  <a:t>404 </a:t>
+                </a:r>
+                <a:r>
+                  <a:rPr lang="ru-RU" sz="1000" dirty="0" smtClean="0">
+                    <a:solidFill>
+                      <a:schemeClr val="tx1"/>
+                    </a:solidFill>
+                  </a:rPr>
+                  <a:t>УК9</a:t>
+                </a:r>
+              </a:p>
+              <a:p>
+                <a:pPr algn="ctr"/>
+                <a:r>
+                  <a:rPr lang="ru-RU" sz="1000" dirty="0" err="1" smtClean="0">
+                    <a:solidFill>
+                      <a:schemeClr val="tx1"/>
+                    </a:solidFill>
+                  </a:rPr>
+                  <a:t>АКТ_зал</a:t>
+                </a:r>
+                <a:endParaRPr lang="ru-RU" sz="1000" dirty="0">
+                  <a:solidFill>
+                    <a:schemeClr val="tx1"/>
+                  </a:solidFill>
+                </a:endParaRPr>
+              </a:p>
+            </p:txBody>
+          </p:sp>
+        </p:grpSp>
+        <p:sp>
+          <p:nvSpPr>
+            <p:cNvPr id="10" name="Прямоугольник 9"/>
+            <p:cNvSpPr/>
+            <p:nvPr/>
+          </p:nvSpPr>
+          <p:spPr>
+            <a:xfrm>
+              <a:off x="3535680" y="757647"/>
+              <a:ext cx="4397829" cy="435428"/>
+            </a:xfrm>
+            <a:prstGeom prst="rect">
+              <a:avLst/>
+            </a:prstGeom>
+            <a:solidFill>
+              <a:schemeClr val="bg1"/>
+            </a:solidFill>
+            <a:ln w="28575">
+              <a:solidFill>
+                <a:schemeClr val="tx1"/>
+              </a:solidFill>
+            </a:ln>
+          </p:spPr>
+          <p:style>
+            <a:lnRef idx="2">
+              <a:schemeClr val="accent1">
+                <a:shade val="50000"/>
+              </a:schemeClr>
+            </a:lnRef>
+            <a:fillRef idx="1">
+              <a:schemeClr val="accent1"/>
+            </a:fillRef>
+            <a:effectRef idx="0">
+              <a:schemeClr val="accent1"/>
+            </a:effectRef>
+            <a:fontRef idx="minor">
+              <a:schemeClr val="lt1"/>
+            </a:fontRef>
+          </p:style>
+          <p:txBody>
+            <a:bodyPr rtlCol="0" anchor="ctr"/>
+            <a:lstStyle/>
+            <a:p>
+              <a:r>
+                <a:rPr lang="ru-RU" dirty="0">
+                  <a:solidFill>
+                    <a:schemeClr val="tx1"/>
+                  </a:solidFill>
+                </a:rPr>
+                <a:t>≡</a:t>
+              </a:r>
+              <a:r>
+                <a:rPr lang="en-US" dirty="0" smtClean="0">
+                  <a:solidFill>
+                    <a:schemeClr val="tx1"/>
+                  </a:solidFill>
+                </a:rPr>
+                <a:t> </a:t>
+              </a:r>
+              <a:r>
+                <a:rPr lang="en-US" dirty="0" err="1" smtClean="0">
+                  <a:solidFill>
+                    <a:schemeClr val="tx1"/>
+                  </a:solidFill>
+                  <a:latin typeface="Furore" panose="02000503020000020004" pitchFamily="2" charset="0"/>
+                </a:rPr>
+                <a:t>CoolResp</a:t>
+              </a:r>
+              <a:endParaRPr lang="ru-RU" dirty="0">
+                <a:solidFill>
+                  <a:schemeClr val="tx1"/>
+                </a:solidFill>
+                <a:latin typeface="Furore" panose="02000503020000020004" pitchFamily="2" charset="0"/>
+              </a:endParaRPr>
+            </a:p>
+          </p:txBody>
+        </p:sp>
+      </p:grpSp>
+    </p:spTree>
+    <p:extLst>
+      <p:ext uri="{BB962C8B-B14F-4D97-AF65-F5344CB8AC3E}">
+        <p14:creationId xmlns:p14="http://schemas.microsoft.com/office/powerpoint/2010/main" val="1568312398"/>
+      </p:ext>
+    </p:extLst>
+  </p:cSld>
+  <p:clrMapOvr>
+    <a:masterClrMapping/>
+  </p:clrMapOvr>
 </p:sld>
 </file>
 
